--- a/VNM Lite Pedals Quick Guide Manual V2.pptx
+++ b/VNM Lite Pedals Quick Guide Manual V2.pptx
@@ -3343,7 +3343,7 @@
           <p:nvPr>
             <p:extLst>
               <p:ext uri="{D42A27DB-BD31-4B8C-83A1-F6EECF244321}">
-                <p14:modId xmlns:p14="http://schemas.microsoft.com/office/powerpoint/2010/main" val="2130916274"/>
+                <p14:modId xmlns:p14="http://schemas.microsoft.com/office/powerpoint/2010/main" val="3010042527"/>
               </p:ext>
             </p:extLst>
           </p:nvPr>
@@ -3986,8 +3986,8 @@
         </p:nvSpPr>
         <p:spPr>
           <a:xfrm>
-            <a:off x="4183771" y="2355430"/>
-            <a:ext cx="1379434" cy="1123384"/>
+            <a:off x="4163773" y="1862105"/>
+            <a:ext cx="1444027" cy="1123384"/>
           </a:xfrm>
           <a:prstGeom prst="rect">
             <a:avLst/>
@@ -4052,7 +4052,7 @@
                 <a:latin typeface="Biome" panose="020B0503030204020804" pitchFamily="34" charset="0"/>
                 <a:cs typeface="Biome" panose="020B0503030204020804" pitchFamily="34" charset="0"/>
               </a:rPr>
-              <a:t>VNM Clutch</a:t>
+              <a:t>VNM Clutch (*)</a:t>
             </a:r>
           </a:p>
           <a:p>
@@ -4097,8 +4097,8 @@
         </p:nvSpPr>
         <p:spPr>
           <a:xfrm>
-            <a:off x="5454747" y="2352170"/>
-            <a:ext cx="1819625" cy="769441"/>
+            <a:off x="5499305" y="1857689"/>
+            <a:ext cx="1897406" cy="769441"/>
           </a:xfrm>
           <a:prstGeom prst="rect">
             <a:avLst/>
@@ -6459,7 +6459,7 @@
         </p:blipFill>
         <p:spPr>
           <a:xfrm>
-            <a:off x="4203106" y="812397"/>
+            <a:off x="4203473" y="560816"/>
             <a:ext cx="1049779" cy="1266974"/>
           </a:xfrm>
           <a:prstGeom prst="rect">
@@ -6481,7 +6481,7 @@
         </p:nvSpPr>
         <p:spPr>
           <a:xfrm>
-            <a:off x="4644401" y="735213"/>
+            <a:off x="4644768" y="483632"/>
             <a:ext cx="214921" cy="211872"/>
           </a:xfrm>
           <a:prstGeom prst="ellipse">
@@ -6550,7 +6550,7 @@
         </p:blipFill>
         <p:spPr>
           <a:xfrm>
-            <a:off x="5226226" y="912116"/>
+            <a:off x="5226593" y="660535"/>
             <a:ext cx="1005457" cy="1143109"/>
           </a:xfrm>
           <a:prstGeom prst="rect">
@@ -6572,7 +6572,7 @@
         </p:nvSpPr>
         <p:spPr>
           <a:xfrm>
-            <a:off x="5627238" y="735213"/>
+            <a:off x="5627605" y="483632"/>
             <a:ext cx="214921" cy="211872"/>
           </a:xfrm>
           <a:prstGeom prst="ellipse">
@@ -6641,7 +6641,7 @@
         </p:blipFill>
         <p:spPr>
           <a:xfrm>
-            <a:off x="6187077" y="809321"/>
+            <a:off x="6187444" y="557740"/>
             <a:ext cx="967896" cy="1063283"/>
           </a:xfrm>
           <a:prstGeom prst="rect">
@@ -6663,7 +6663,7 @@
         </p:nvSpPr>
         <p:spPr>
           <a:xfrm>
-            <a:off x="6544536" y="727401"/>
+            <a:off x="6544903" y="475820"/>
             <a:ext cx="214921" cy="211872"/>
           </a:xfrm>
           <a:prstGeom prst="ellipse">
@@ -6924,6 +6924,48 @@
               </a:rPr>
               <a:t>Or anti-clockwise for a softer pedal actuation</a:t>
             </a:r>
+          </a:p>
+        </p:txBody>
+      </p:sp>
+      <p:sp>
+        <p:nvSpPr>
+          <p:cNvPr id="3" name="TextBox 2">
+            <a:extLst>
+              <a:ext uri="{FF2B5EF4-FFF2-40B4-BE49-F238E27FC236}">
+                <a16:creationId xmlns:a16="http://schemas.microsoft.com/office/drawing/2014/main" id="{BE2C6B49-FE8C-DABE-B11A-81FB7B0963F2}"/>
+              </a:ext>
+            </a:extLst>
+          </p:cNvPr>
+          <p:cNvSpPr txBox="1"/>
+          <p:nvPr/>
+        </p:nvSpPr>
+        <p:spPr>
+          <a:xfrm>
+            <a:off x="4163772" y="3024003"/>
+            <a:ext cx="2596051" cy="215444"/>
+          </a:xfrm>
+          <a:prstGeom prst="rect">
+            <a:avLst/>
+          </a:prstGeom>
+          <a:noFill/>
+        </p:spPr>
+        <p:txBody>
+          <a:bodyPr wrap="square" rtlCol="0">
+            <a:spAutoFit/>
+          </a:bodyPr>
+          <a:lstStyle/>
+          <a:p>
+            <a:r>
+              <a:rPr lang="en-US" sz="800" dirty="0">
+                <a:latin typeface="Biome" panose="020B0503030204020804" pitchFamily="34" charset="0"/>
+                <a:cs typeface="Biome" panose="020B0503030204020804" pitchFamily="34" charset="0"/>
+              </a:rPr>
+              <a:t>(*) Not included with VNM Lite Pedal set 2</a:t>
+            </a:r>
+            <a:endParaRPr lang="en-US" sz="900" dirty="0">
+              <a:latin typeface="Times New Roman" panose="02020603050405020304" pitchFamily="18" charset="0"/>
+              <a:cs typeface="Times New Roman" panose="02020603050405020304" pitchFamily="18" charset="0"/>
+            </a:endParaRPr>
           </a:p>
         </p:txBody>
       </p:sp>
@@ -6957,6 +6999,36 @@
           <a:chExt cx="0" cy="0"/>
         </a:xfrm>
       </p:grpSpPr>
+      <p:pic>
+        <p:nvPicPr>
+          <p:cNvPr id="107" name="Picture 106">
+            <a:extLst>
+              <a:ext uri="{FF2B5EF4-FFF2-40B4-BE49-F238E27FC236}">
+                <a16:creationId xmlns:a16="http://schemas.microsoft.com/office/drawing/2014/main" id="{6D01B6DD-AA09-0DE7-5BE0-D16E210025D4}"/>
+              </a:ext>
+            </a:extLst>
+          </p:cNvPr>
+          <p:cNvPicPr>
+            <a:picLocks noChangeAspect="1"/>
+          </p:cNvPicPr>
+          <p:nvPr/>
+        </p:nvPicPr>
+        <p:blipFill>
+          <a:blip r:embed="rId2"/>
+          <a:stretch>
+            <a:fillRect/>
+          </a:stretch>
+        </p:blipFill>
+        <p:spPr>
+          <a:xfrm>
+            <a:off x="9067495" y="4507700"/>
+            <a:ext cx="2675430" cy="699052"/>
+          </a:xfrm>
+          <a:prstGeom prst="rect">
+            <a:avLst/>
+          </a:prstGeom>
+        </p:spPr>
+      </p:pic>
       <p:graphicFrame>
         <p:nvGraphicFramePr>
           <p:cNvPr id="4" name="Table 4">
@@ -6972,14 +7044,14 @@
           <p:nvPr>
             <p:extLst>
               <p:ext uri="{D42A27DB-BD31-4B8C-83A1-F6EECF244321}">
-                <p14:modId xmlns:p14="http://schemas.microsoft.com/office/powerpoint/2010/main" val="2086270391"/>
+                <p14:modId xmlns:p14="http://schemas.microsoft.com/office/powerpoint/2010/main" val="459326633"/>
               </p:ext>
             </p:extLst>
           </p:nvPr>
         </p:nvGraphicFramePr>
         <p:xfrm>
           <a:off x="-29092" y="7620"/>
-          <a:ext cx="12192000" cy="7238055"/>
+          <a:ext cx="12221092" cy="7238055"/>
         </p:xfrm>
         <a:graphic>
           <a:graphicData uri="http://schemas.openxmlformats.org/drawingml/2006/table">
@@ -6988,14 +7060,14 @@
                 <a:tableStyleId>{5C22544A-7EE6-4342-B048-85BDC9FD1C3A}</a:tableStyleId>
               </a:tblPr>
               <a:tblGrid>
-                <a:gridCol w="6096000">
+                <a:gridCol w="6110546">
                   <a:extLst>
                     <a:ext uri="{9D8B030D-6E8A-4147-A177-3AD203B41FA5}">
                       <a16:colId xmlns:a16="http://schemas.microsoft.com/office/drawing/2014/main" val="240344940"/>
                     </a:ext>
                   </a:extLst>
                 </a:gridCol>
-                <a:gridCol w="6096000">
+                <a:gridCol w="6110546">
                   <a:extLst>
                     <a:ext uri="{9D8B030D-6E8A-4147-A177-3AD203B41FA5}">
                       <a16:colId xmlns:a16="http://schemas.microsoft.com/office/drawing/2014/main" val="3068562363"/>
@@ -7146,7 +7218,7 @@
         </p:nvSpPr>
         <p:spPr>
           <a:xfrm>
-            <a:off x="6467282" y="602630"/>
+            <a:off x="6181027" y="663607"/>
             <a:ext cx="2942029" cy="276999"/>
           </a:xfrm>
           <a:prstGeom prst="rect">
@@ -7223,7 +7295,7 @@
         <p:spPr>
           <a:xfrm>
             <a:off x="9095189" y="3550829"/>
-            <a:ext cx="2620045" cy="230832"/>
+            <a:ext cx="2984291" cy="230832"/>
           </a:xfrm>
           <a:prstGeom prst="rect">
             <a:avLst/>
@@ -7241,7 +7313,7 @@
                 <a:latin typeface="Biome" panose="020B0503030204020804" pitchFamily="34" charset="0"/>
                 <a:cs typeface="Biome" panose="020B0503030204020804" pitchFamily="34" charset="0"/>
               </a:rPr>
-              <a:t>Option 1: Shorter travel, medium stiffness</a:t>
+              <a:t>Option 1: Medium initial travel, medium stiffness</a:t>
             </a:r>
           </a:p>
         </p:txBody>
@@ -7260,8 +7332,8 @@
         </p:nvSpPr>
         <p:spPr>
           <a:xfrm>
-            <a:off x="9095189" y="4451147"/>
-            <a:ext cx="2919389" cy="230832"/>
+            <a:off x="9110441" y="4313107"/>
+            <a:ext cx="2829621" cy="230832"/>
           </a:xfrm>
           <a:prstGeom prst="rect">
             <a:avLst/>
@@ -7278,7 +7350,7 @@
                 <a:latin typeface="Biome" panose="020B0503030204020804" pitchFamily="34" charset="0"/>
                 <a:cs typeface="Biome" panose="020B0503030204020804" pitchFamily="34" charset="0"/>
               </a:rPr>
-              <a:t>Option 2: Medium stiffness with simulated play</a:t>
+              <a:t>Option 2: Light initial travel, medium stiffness</a:t>
             </a:r>
           </a:p>
         </p:txBody>
@@ -7297,7 +7369,7 @@
         </p:nvSpPr>
         <p:spPr>
           <a:xfrm>
-            <a:off x="9091983" y="5364988"/>
+            <a:off x="9095189" y="5122377"/>
             <a:ext cx="2410973" cy="230832"/>
           </a:xfrm>
           <a:prstGeom prst="rect">
@@ -7371,7 +7443,7 @@
         </p:nvSpPr>
         <p:spPr>
           <a:xfrm>
-            <a:off x="6164132" y="3858520"/>
+            <a:off x="6181027" y="3685800"/>
             <a:ext cx="3210119" cy="276999"/>
           </a:xfrm>
           <a:prstGeom prst="rect">
@@ -7661,18 +7733,25 @@
           <a:lstStyle/>
           <a:p>
             <a:r>
-              <a:rPr lang="en-US" sz="1100" u="sng" dirty="0">
+              <a:rPr lang="en-US" sz="1100" b="1" u="sng" dirty="0">
                 <a:latin typeface="Biome" panose="020B0503030204020804" pitchFamily="34" charset="0"/>
                 <a:cs typeface="Biome" panose="020B0503030204020804" pitchFamily="34" charset="0"/>
               </a:rPr>
               <a:t>Step 1:</a:t>
+            </a:r>
+            <a:r>
+              <a:rPr lang="en-US" sz="1100" b="1" dirty="0">
+                <a:latin typeface="Biome" panose="020B0503030204020804" pitchFamily="34" charset="0"/>
+                <a:cs typeface="Biome" panose="020B0503030204020804" pitchFamily="34" charset="0"/>
+              </a:rPr>
+              <a:t> </a:t>
             </a:r>
             <a:r>
               <a:rPr lang="en-US" sz="1100" dirty="0">
                 <a:latin typeface="Biome" panose="020B0503030204020804" pitchFamily="34" charset="0"/>
                 <a:cs typeface="Biome" panose="020B0503030204020804" pitchFamily="34" charset="0"/>
               </a:rPr>
-              <a:t> Disassemble the spring assembly.</a:t>
+              <a:t>Disassemble the spring assembly.</a:t>
             </a:r>
           </a:p>
           <a:p>
@@ -7713,7 +7792,7 @@
           </a:p>
           <a:p>
             <a:r>
-              <a:rPr lang="en-US" sz="1100" u="sng" dirty="0">
+              <a:rPr lang="en-US" sz="1100" b="1" u="sng" dirty="0">
                 <a:latin typeface="Biome" panose="020B0503030204020804" pitchFamily="34" charset="0"/>
                 <a:cs typeface="Biome" panose="020B0503030204020804" pitchFamily="34" charset="0"/>
               </a:rPr>
@@ -7735,7 +7814,7 @@
           </a:p>
           <a:p>
             <a:r>
-              <a:rPr lang="en-US" sz="1100" u="sng" dirty="0">
+              <a:rPr lang="en-US" sz="1100" b="1" u="sng" dirty="0">
                 <a:latin typeface="Biome" panose="020B0503030204020804" pitchFamily="34" charset="0"/>
                 <a:cs typeface="Biome" panose="020B0503030204020804" pitchFamily="34" charset="0"/>
               </a:rPr>
@@ -7757,7 +7836,7 @@
           </a:p>
           <a:p>
             <a:r>
-              <a:rPr lang="en-US" sz="1100" u="sng" dirty="0">
+              <a:rPr lang="en-US" sz="1100" b="1" u="sng" dirty="0">
                 <a:latin typeface="Biome" panose="020B0503030204020804" pitchFamily="34" charset="0"/>
                 <a:cs typeface="Biome" panose="020B0503030204020804" pitchFamily="34" charset="0"/>
               </a:rPr>
@@ -7821,12 +7900,12 @@
             </a:extLst>
           </p:cNvPr>
           <p:cNvPicPr>
-            <a:picLocks noChangeAspect="1"/>
+            <a:picLocks noGrp="1" noRot="1" noChangeAspect="1" noMove="1" noResize="1" noEditPoints="1" noAdjustHandles="1" noChangeArrowheads="1" noChangeShapeType="1" noCrop="1"/>
           </p:cNvPicPr>
           <p:nvPr/>
         </p:nvPicPr>
         <p:blipFill>
-          <a:blip r:embed="rId2"/>
+          <a:blip r:embed="rId3"/>
           <a:stretch>
             <a:fillRect/>
           </a:stretch>
@@ -7855,7 +7934,7 @@
         </p:nvSpPr>
         <p:spPr>
           <a:xfrm>
-            <a:off x="4788121" y="1490431"/>
+            <a:off x="4788960" y="1435788"/>
             <a:ext cx="535158" cy="246221"/>
           </a:xfrm>
           <a:prstGeom prst="rect">
@@ -7896,7 +7975,7 @@
         </p:nvSpPr>
         <p:spPr>
           <a:xfrm>
-            <a:off x="4042280" y="1490431"/>
+            <a:off x="3956329" y="1435788"/>
             <a:ext cx="535158" cy="246221"/>
           </a:xfrm>
           <a:prstGeom prst="rect">
@@ -7937,7 +8016,7 @@
         </p:nvSpPr>
         <p:spPr>
           <a:xfrm>
-            <a:off x="4340304" y="2388836"/>
+            <a:off x="4429206" y="2435616"/>
             <a:ext cx="535158" cy="246221"/>
           </a:xfrm>
           <a:prstGeom prst="rect">
@@ -7978,7 +8057,7 @@
         </p:nvSpPr>
         <p:spPr>
           <a:xfrm>
-            <a:off x="4216804" y="2080023"/>
+            <a:off x="4280228" y="1972290"/>
             <a:ext cx="535158" cy="246221"/>
           </a:xfrm>
           <a:prstGeom prst="rect">
@@ -8019,7 +8098,7 @@
         </p:nvSpPr>
         <p:spPr>
           <a:xfrm>
-            <a:off x="5103982" y="1406970"/>
+            <a:off x="5165692" y="1405390"/>
             <a:ext cx="214921" cy="211872"/>
           </a:xfrm>
           <a:prstGeom prst="ellipse">
@@ -8080,7 +8159,7 @@
         </p:nvSpPr>
         <p:spPr>
           <a:xfrm>
-            <a:off x="4905043" y="2388836"/>
+            <a:off x="4946496" y="2256653"/>
             <a:ext cx="214921" cy="211872"/>
           </a:xfrm>
           <a:prstGeom prst="ellipse">
@@ -8156,7 +8235,7 @@
           <p:nvPr/>
         </p:nvPicPr>
         <p:blipFill>
-          <a:blip r:embed="rId3"/>
+          <a:blip r:embed="rId4"/>
           <a:stretch>
             <a:fillRect/>
           </a:stretch>
@@ -8268,7 +8347,7 @@
           <p:nvPr/>
         </p:nvPicPr>
         <p:blipFill>
-          <a:blip r:embed="rId4"/>
+          <a:blip r:embed="rId5"/>
           <a:stretch>
             <a:fillRect/>
           </a:stretch>
@@ -8340,7 +8419,7 @@
           <p:nvPr/>
         </p:nvPicPr>
         <p:blipFill>
-          <a:blip r:embed="rId5"/>
+          <a:blip r:embed="rId6"/>
           <a:stretch>
             <a:fillRect/>
           </a:stretch>
@@ -8506,36 +8585,6 @@
           <p:nvPr/>
         </p:nvPicPr>
         <p:blipFill>
-          <a:blip r:embed="rId6"/>
-          <a:stretch>
-            <a:fillRect/>
-          </a:stretch>
-        </p:blipFill>
-        <p:spPr>
-          <a:xfrm>
-            <a:off x="9204215" y="3898164"/>
-            <a:ext cx="2525066" cy="564702"/>
-          </a:xfrm>
-          <a:prstGeom prst="rect">
-            <a:avLst/>
-          </a:prstGeom>
-        </p:spPr>
-      </p:pic>
-      <p:pic>
-        <p:nvPicPr>
-          <p:cNvPr id="93" name="Picture 92">
-            <a:extLst>
-              <a:ext uri="{FF2B5EF4-FFF2-40B4-BE49-F238E27FC236}">
-                <a16:creationId xmlns:a16="http://schemas.microsoft.com/office/drawing/2014/main" id="{4BE9561D-A64E-6315-4EE8-8D51C1E2DB58}"/>
-              </a:ext>
-            </a:extLst>
-          </p:cNvPr>
-          <p:cNvPicPr>
-            <a:picLocks noChangeAspect="1"/>
-          </p:cNvPicPr>
-          <p:nvPr/>
-        </p:nvPicPr>
-        <p:blipFill>
           <a:blip r:embed="rId7"/>
           <a:stretch>
             <a:fillRect/>
@@ -8543,8 +8592,8 @@
         </p:blipFill>
         <p:spPr>
           <a:xfrm>
-            <a:off x="9187215" y="5658947"/>
-            <a:ext cx="2559065" cy="634681"/>
+            <a:off x="9167165" y="3736500"/>
+            <a:ext cx="2525066" cy="564702"/>
           </a:xfrm>
           <a:prstGeom prst="rect">
             <a:avLst/>
@@ -8553,40 +8602,10 @@
       </p:pic>
       <p:pic>
         <p:nvPicPr>
-          <p:cNvPr id="104" name="Picture 103">
-            <a:extLst>
-              <a:ext uri="{FF2B5EF4-FFF2-40B4-BE49-F238E27FC236}">
-                <a16:creationId xmlns:a16="http://schemas.microsoft.com/office/drawing/2014/main" id="{A028E4C7-7145-CDA5-E152-90F3F7036E92}"/>
-              </a:ext>
-            </a:extLst>
-          </p:cNvPr>
-          <p:cNvPicPr>
-            <a:picLocks noChangeAspect="1"/>
-          </p:cNvPicPr>
-          <p:nvPr/>
-        </p:nvPicPr>
-        <p:blipFill>
-          <a:blip r:embed="rId7"/>
-          <a:stretch>
-            <a:fillRect/>
-          </a:stretch>
-        </p:blipFill>
-        <p:spPr>
-          <a:xfrm rot="5400000">
-            <a:off x="7713100" y="1764956"/>
-            <a:ext cx="2146413" cy="532338"/>
-          </a:xfrm>
-          <a:prstGeom prst="rect">
-            <a:avLst/>
-          </a:prstGeom>
-        </p:spPr>
-      </p:pic>
-      <p:pic>
-        <p:nvPicPr>
-          <p:cNvPr id="107" name="Picture 106">
-            <a:extLst>
-              <a:ext uri="{FF2B5EF4-FFF2-40B4-BE49-F238E27FC236}">
-                <a16:creationId xmlns:a16="http://schemas.microsoft.com/office/drawing/2014/main" id="{6D01B6DD-AA09-0DE7-5BE0-D16E210025D4}"/>
+          <p:cNvPr id="93" name="Picture 92">
+            <a:extLst>
+              <a:ext uri="{FF2B5EF4-FFF2-40B4-BE49-F238E27FC236}">
+                <a16:creationId xmlns:a16="http://schemas.microsoft.com/office/drawing/2014/main" id="{4BE9561D-A64E-6315-4EE8-8D51C1E2DB58}"/>
               </a:ext>
             </a:extLst>
           </p:cNvPr>
@@ -8603,8 +8622,38 @@
         </p:blipFill>
         <p:spPr>
           <a:xfrm>
-            <a:off x="9091983" y="4705521"/>
-            <a:ext cx="2675430" cy="699052"/>
+            <a:off x="9125678" y="5349515"/>
+            <a:ext cx="2559065" cy="634681"/>
+          </a:xfrm>
+          <a:prstGeom prst="rect">
+            <a:avLst/>
+          </a:prstGeom>
+        </p:spPr>
+      </p:pic>
+      <p:pic>
+        <p:nvPicPr>
+          <p:cNvPr id="104" name="Picture 103">
+            <a:extLst>
+              <a:ext uri="{FF2B5EF4-FFF2-40B4-BE49-F238E27FC236}">
+                <a16:creationId xmlns:a16="http://schemas.microsoft.com/office/drawing/2014/main" id="{A028E4C7-7145-CDA5-E152-90F3F7036E92}"/>
+              </a:ext>
+            </a:extLst>
+          </p:cNvPr>
+          <p:cNvPicPr>
+            <a:picLocks noChangeAspect="1"/>
+          </p:cNvPicPr>
+          <p:nvPr/>
+        </p:nvPicPr>
+        <p:blipFill>
+          <a:blip r:embed="rId8"/>
+          <a:stretch>
+            <a:fillRect/>
+          </a:stretch>
+        </p:blipFill>
+        <p:spPr>
+          <a:xfrm rot="5400000">
+            <a:off x="7713100" y="1764956"/>
+            <a:ext cx="2146413" cy="532338"/>
           </a:xfrm>
           <a:prstGeom prst="rect">
             <a:avLst/>
@@ -8710,8 +8759,8 @@
         </p:blipFill>
         <p:spPr>
           <a:xfrm>
-            <a:off x="6463523" y="4090334"/>
-            <a:ext cx="1745885" cy="2476067"/>
+            <a:off x="6593354" y="4147907"/>
+            <a:ext cx="1526576" cy="2165036"/>
           </a:xfrm>
           <a:prstGeom prst="rect">
             <a:avLst/>
@@ -8732,7 +8781,7 @@
         </p:nvSpPr>
         <p:spPr>
           <a:xfrm rot="18988936" flipH="1" flipV="1">
-            <a:off x="7300465" y="4977077"/>
+            <a:off x="7307233" y="4904854"/>
             <a:ext cx="141044" cy="243662"/>
           </a:xfrm>
           <a:prstGeom prst="curvedRightArrow">
@@ -8787,7 +8836,7 @@
         </p:nvCxnSpPr>
         <p:spPr>
           <a:xfrm flipH="1">
-            <a:off x="7548715" y="5005933"/>
+            <a:off x="7555483" y="4933710"/>
             <a:ext cx="235856" cy="290909"/>
           </a:xfrm>
           <a:prstGeom prst="straightConnector1">
@@ -8826,7 +8875,7 @@
         </p:nvSpPr>
         <p:spPr>
           <a:xfrm>
-            <a:off x="7707583" y="4235642"/>
+            <a:off x="7714351" y="4163419"/>
             <a:ext cx="1065565" cy="784830"/>
           </a:xfrm>
           <a:prstGeom prst="rect">
@@ -8937,7 +8986,7 @@
         </p:nvSpPr>
         <p:spPr>
           <a:xfrm>
-            <a:off x="9123056" y="6255370"/>
+            <a:off x="9095189" y="5909233"/>
             <a:ext cx="2410973" cy="230832"/>
           </a:xfrm>
           <a:prstGeom prst="rect">
@@ -8974,7 +9023,7 @@
         </p:nvSpPr>
         <p:spPr>
           <a:xfrm rot="18870317">
-            <a:off x="7042718" y="5235815"/>
+            <a:off x="7049486" y="5163592"/>
             <a:ext cx="139821" cy="258345"/>
           </a:xfrm>
           <a:prstGeom prst="curvedRightArrow">
@@ -9010,6 +9059,44 @@
               <a:latin typeface="Times New Roman" panose="02020603050405020304" pitchFamily="18" charset="0"/>
               <a:cs typeface="Times New Roman" panose="02020603050405020304" pitchFamily="18" charset="0"/>
             </a:endParaRPr>
+          </a:p>
+        </p:txBody>
+      </p:sp>
+      <p:sp>
+        <p:nvSpPr>
+          <p:cNvPr id="27" name="TextBox 26">
+            <a:extLst>
+              <a:ext uri="{FF2B5EF4-FFF2-40B4-BE49-F238E27FC236}">
+                <a16:creationId xmlns:a16="http://schemas.microsoft.com/office/drawing/2014/main" id="{9D60201B-C61F-83EF-C3D9-F254B350D9F5}"/>
+              </a:ext>
+            </a:extLst>
+          </p:cNvPr>
+          <p:cNvSpPr txBox="1"/>
+          <p:nvPr/>
+        </p:nvSpPr>
+        <p:spPr>
+          <a:xfrm>
+            <a:off x="6181027" y="6324848"/>
+            <a:ext cx="3583098" cy="276999"/>
+          </a:xfrm>
+          <a:prstGeom prst="rect">
+            <a:avLst/>
+          </a:prstGeom>
+          <a:noFill/>
+        </p:spPr>
+        <p:txBody>
+          <a:bodyPr wrap="square" rtlCol="0">
+            <a:spAutoFit/>
+          </a:bodyPr>
+          <a:lstStyle/>
+          <a:p>
+            <a:r>
+              <a:rPr lang="en-US" sz="1200" b="1" dirty="0">
+                <a:latin typeface="Biome" panose="020B0503030204020804" pitchFamily="34" charset="0"/>
+                <a:cs typeface="Biome" panose="020B0503030204020804" pitchFamily="34" charset="0"/>
+              </a:rPr>
+              <a:t>Step 4: Recalibrate in the VNM Configurator</a:t>
+            </a:r>
           </a:p>
         </p:txBody>
       </p:sp>
